--- a/Introduction to Python Splash Page.pptx
+++ b/Introduction to Python Splash Page.pptx
@@ -105,6 +105,11 @@
       </a:defRPr>
     </a:lvl9pPr>
   </p:defaultTextStyle>
+  <p:extLst>
+    <p:ext uri="{EFAFB233-063F-42B5-8137-9DF3F51BA10A}">
+      <p15:sldGuideLst xmlns:p15="http://schemas.microsoft.com/office/powerpoint/2012/main"/>
+    </p:ext>
+  </p:extLst>
 </p:presentation>
 </file>
 
@@ -3113,10 +3118,6 @@
             </a:r>
             <a:r>
               <a:rPr lang="en-US" sz="4000" dirty="0" smtClean="0"/>
-              <a:t> </a:t>
-            </a:r>
-            <a:r>
-              <a:rPr lang="en-US" sz="4000" dirty="0" smtClean="0"/>
               <a:t>workshop </a:t>
             </a:r>
             <a:r>
@@ -3153,7 +3154,6 @@
               <a:rPr lang="en-US" sz="4000" dirty="0"/>
               <a:t>https://github.com/mike-babb/intro_to_python</a:t>
             </a:r>
-            <a:endParaRPr lang="en-US" sz="4000" dirty="0"/>
           </a:p>
         </p:txBody>
       </p:sp>

--- a/Introduction to Python Splash Page.pptx
+++ b/Introduction to Python Splash Page.pptx
@@ -244,7 +244,7 @@
           <a:p>
             <a:fld id="{652BE7AB-D5F9-450E-9CCB-F58AD65D0B70}" type="datetimeFigureOut">
               <a:rPr lang="en-US" smtClean="0"/>
-              <a:t>2/7/2019</a:t>
+              <a:t>4/10/2019</a:t>
             </a:fld>
             <a:endParaRPr lang="en-US"/>
           </a:p>
@@ -414,7 +414,7 @@
           <a:p>
             <a:fld id="{652BE7AB-D5F9-450E-9CCB-F58AD65D0B70}" type="datetimeFigureOut">
               <a:rPr lang="en-US" smtClean="0"/>
-              <a:t>2/7/2019</a:t>
+              <a:t>4/10/2019</a:t>
             </a:fld>
             <a:endParaRPr lang="en-US"/>
           </a:p>
@@ -594,7 +594,7 @@
           <a:p>
             <a:fld id="{652BE7AB-D5F9-450E-9CCB-F58AD65D0B70}" type="datetimeFigureOut">
               <a:rPr lang="en-US" smtClean="0"/>
-              <a:t>2/7/2019</a:t>
+              <a:t>4/10/2019</a:t>
             </a:fld>
             <a:endParaRPr lang="en-US"/>
           </a:p>
@@ -764,7 +764,7 @@
           <a:p>
             <a:fld id="{652BE7AB-D5F9-450E-9CCB-F58AD65D0B70}" type="datetimeFigureOut">
               <a:rPr lang="en-US" smtClean="0"/>
-              <a:t>2/7/2019</a:t>
+              <a:t>4/10/2019</a:t>
             </a:fld>
             <a:endParaRPr lang="en-US"/>
           </a:p>
@@ -1010,7 +1010,7 @@
           <a:p>
             <a:fld id="{652BE7AB-D5F9-450E-9CCB-F58AD65D0B70}" type="datetimeFigureOut">
               <a:rPr lang="en-US" smtClean="0"/>
-              <a:t>2/7/2019</a:t>
+              <a:t>4/10/2019</a:t>
             </a:fld>
             <a:endParaRPr lang="en-US"/>
           </a:p>
@@ -1242,7 +1242,7 @@
           <a:p>
             <a:fld id="{652BE7AB-D5F9-450E-9CCB-F58AD65D0B70}" type="datetimeFigureOut">
               <a:rPr lang="en-US" smtClean="0"/>
-              <a:t>2/7/2019</a:t>
+              <a:t>4/10/2019</a:t>
             </a:fld>
             <a:endParaRPr lang="en-US"/>
           </a:p>
@@ -1609,7 +1609,7 @@
           <a:p>
             <a:fld id="{652BE7AB-D5F9-450E-9CCB-F58AD65D0B70}" type="datetimeFigureOut">
               <a:rPr lang="en-US" smtClean="0"/>
-              <a:t>2/7/2019</a:t>
+              <a:t>4/10/2019</a:t>
             </a:fld>
             <a:endParaRPr lang="en-US"/>
           </a:p>
@@ -1727,7 +1727,7 @@
           <a:p>
             <a:fld id="{652BE7AB-D5F9-450E-9CCB-F58AD65D0B70}" type="datetimeFigureOut">
               <a:rPr lang="en-US" smtClean="0"/>
-              <a:t>2/7/2019</a:t>
+              <a:t>4/10/2019</a:t>
             </a:fld>
             <a:endParaRPr lang="en-US"/>
           </a:p>
@@ -1822,7 +1822,7 @@
           <a:p>
             <a:fld id="{652BE7AB-D5F9-450E-9CCB-F58AD65D0B70}" type="datetimeFigureOut">
               <a:rPr lang="en-US" smtClean="0"/>
-              <a:t>2/7/2019</a:t>
+              <a:t>4/10/2019</a:t>
             </a:fld>
             <a:endParaRPr lang="en-US"/>
           </a:p>
@@ -2099,7 +2099,7 @@
           <a:p>
             <a:fld id="{652BE7AB-D5F9-450E-9CCB-F58AD65D0B70}" type="datetimeFigureOut">
               <a:rPr lang="en-US" smtClean="0"/>
-              <a:t>2/7/2019</a:t>
+              <a:t>4/10/2019</a:t>
             </a:fld>
             <a:endParaRPr lang="en-US"/>
           </a:p>
@@ -2352,7 +2352,7 @@
           <a:p>
             <a:fld id="{652BE7AB-D5F9-450E-9CCB-F58AD65D0B70}" type="datetimeFigureOut">
               <a:rPr lang="en-US" smtClean="0"/>
-              <a:t>2/7/2019</a:t>
+              <a:t>4/10/2019</a:t>
             </a:fld>
             <a:endParaRPr lang="en-US"/>
           </a:p>
@@ -2565,7 +2565,7 @@
           <a:p>
             <a:fld id="{652BE7AB-D5F9-450E-9CCB-F58AD65D0B70}" type="datetimeFigureOut">
               <a:rPr lang="en-US" smtClean="0"/>
-              <a:t>2/7/2019</a:t>
+              <a:t>4/10/2019</a:t>
             </a:fld>
             <a:endParaRPr lang="en-US"/>
           </a:p>
@@ -3010,7 +3010,11 @@
           <a:p>
             <a:r>
               <a:rPr lang="en-US" dirty="0" smtClean="0"/>
-              <a:t>February 7, 2019</a:t>
+              <a:t>April 11, </a:t>
+            </a:r>
+            <a:r>
+              <a:rPr lang="en-US" dirty="0" smtClean="0"/>
+              <a:t>2019</a:t>
             </a:r>
           </a:p>
           <a:p>
@@ -3114,15 +3118,7 @@
           <a:p>
             <a:r>
               <a:rPr lang="en-US" sz="4000" dirty="0" smtClean="0"/>
-              <a:t>Location of this tutorial and </a:t>
-            </a:r>
-            <a:r>
-              <a:rPr lang="en-US" sz="4000" dirty="0" smtClean="0"/>
-              <a:t>workshop </a:t>
-            </a:r>
-            <a:r>
-              <a:rPr lang="en-US" sz="4000" dirty="0" smtClean="0"/>
-              <a:t>material</a:t>
+              <a:t>Location of this tutorial and workshop material</a:t>
             </a:r>
             <a:endParaRPr lang="en-US" sz="4000" dirty="0"/>
           </a:p>

--- a/Introduction to Python Splash Page.pptx
+++ b/Introduction to Python Splash Page.pptx
@@ -244,7 +244,7 @@
           <a:p>
             <a:fld id="{652BE7AB-D5F9-450E-9CCB-F58AD65D0B70}" type="datetimeFigureOut">
               <a:rPr lang="en-US" smtClean="0"/>
-              <a:t>4/10/2019</a:t>
+              <a:t>7/15/2019</a:t>
             </a:fld>
             <a:endParaRPr lang="en-US"/>
           </a:p>
@@ -414,7 +414,7 @@
           <a:p>
             <a:fld id="{652BE7AB-D5F9-450E-9CCB-F58AD65D0B70}" type="datetimeFigureOut">
               <a:rPr lang="en-US" smtClean="0"/>
-              <a:t>4/10/2019</a:t>
+              <a:t>7/15/2019</a:t>
             </a:fld>
             <a:endParaRPr lang="en-US"/>
           </a:p>
@@ -594,7 +594,7 @@
           <a:p>
             <a:fld id="{652BE7AB-D5F9-450E-9CCB-F58AD65D0B70}" type="datetimeFigureOut">
               <a:rPr lang="en-US" smtClean="0"/>
-              <a:t>4/10/2019</a:t>
+              <a:t>7/15/2019</a:t>
             </a:fld>
             <a:endParaRPr lang="en-US"/>
           </a:p>
@@ -764,7 +764,7 @@
           <a:p>
             <a:fld id="{652BE7AB-D5F9-450E-9CCB-F58AD65D0B70}" type="datetimeFigureOut">
               <a:rPr lang="en-US" smtClean="0"/>
-              <a:t>4/10/2019</a:t>
+              <a:t>7/15/2019</a:t>
             </a:fld>
             <a:endParaRPr lang="en-US"/>
           </a:p>
@@ -1010,7 +1010,7 @@
           <a:p>
             <a:fld id="{652BE7AB-D5F9-450E-9CCB-F58AD65D0B70}" type="datetimeFigureOut">
               <a:rPr lang="en-US" smtClean="0"/>
-              <a:t>4/10/2019</a:t>
+              <a:t>7/15/2019</a:t>
             </a:fld>
             <a:endParaRPr lang="en-US"/>
           </a:p>
@@ -1242,7 +1242,7 @@
           <a:p>
             <a:fld id="{652BE7AB-D5F9-450E-9CCB-F58AD65D0B70}" type="datetimeFigureOut">
               <a:rPr lang="en-US" smtClean="0"/>
-              <a:t>4/10/2019</a:t>
+              <a:t>7/15/2019</a:t>
             </a:fld>
             <a:endParaRPr lang="en-US"/>
           </a:p>
@@ -1609,7 +1609,7 @@
           <a:p>
             <a:fld id="{652BE7AB-D5F9-450E-9CCB-F58AD65D0B70}" type="datetimeFigureOut">
               <a:rPr lang="en-US" smtClean="0"/>
-              <a:t>4/10/2019</a:t>
+              <a:t>7/15/2019</a:t>
             </a:fld>
             <a:endParaRPr lang="en-US"/>
           </a:p>
@@ -1727,7 +1727,7 @@
           <a:p>
             <a:fld id="{652BE7AB-D5F9-450E-9CCB-F58AD65D0B70}" type="datetimeFigureOut">
               <a:rPr lang="en-US" smtClean="0"/>
-              <a:t>4/10/2019</a:t>
+              <a:t>7/15/2019</a:t>
             </a:fld>
             <a:endParaRPr lang="en-US"/>
           </a:p>
@@ -1822,7 +1822,7 @@
           <a:p>
             <a:fld id="{652BE7AB-D5F9-450E-9CCB-F58AD65D0B70}" type="datetimeFigureOut">
               <a:rPr lang="en-US" smtClean="0"/>
-              <a:t>4/10/2019</a:t>
+              <a:t>7/15/2019</a:t>
             </a:fld>
             <a:endParaRPr lang="en-US"/>
           </a:p>
@@ -2099,7 +2099,7 @@
           <a:p>
             <a:fld id="{652BE7AB-D5F9-450E-9CCB-F58AD65D0B70}" type="datetimeFigureOut">
               <a:rPr lang="en-US" smtClean="0"/>
-              <a:t>4/10/2019</a:t>
+              <a:t>7/15/2019</a:t>
             </a:fld>
             <a:endParaRPr lang="en-US"/>
           </a:p>
@@ -2352,7 +2352,7 @@
           <a:p>
             <a:fld id="{652BE7AB-D5F9-450E-9CCB-F58AD65D0B70}" type="datetimeFigureOut">
               <a:rPr lang="en-US" smtClean="0"/>
-              <a:t>4/10/2019</a:t>
+              <a:t>7/15/2019</a:t>
             </a:fld>
             <a:endParaRPr lang="en-US"/>
           </a:p>
@@ -2565,7 +2565,7 @@
           <a:p>
             <a:fld id="{652BE7AB-D5F9-450E-9CCB-F58AD65D0B70}" type="datetimeFigureOut">
               <a:rPr lang="en-US" smtClean="0"/>
-              <a:t>4/10/2019</a:t>
+              <a:t>7/15/2019</a:t>
             </a:fld>
             <a:endParaRPr lang="en-US"/>
           </a:p>
@@ -3005,12 +3005,14 @@
         </p:nvSpPr>
         <p:spPr/>
         <p:txBody>
-          <a:bodyPr/>
+          <a:bodyPr>
+            <a:normAutofit lnSpcReduction="10000"/>
+          </a:bodyPr>
           <a:lstStyle/>
           <a:p>
             <a:r>
               <a:rPr lang="en-US" dirty="0" smtClean="0"/>
-              <a:t>April 11, </a:t>
+              <a:t>July 15, </a:t>
             </a:r>
             <a:r>
               <a:rPr lang="en-US" dirty="0" smtClean="0"/>
@@ -3020,8 +3022,19 @@
           <a:p>
             <a:r>
               <a:rPr lang="en-US" dirty="0" smtClean="0"/>
-              <a:t>Mike Babb, Ph.C.</a:t>
-            </a:r>
+              <a:t>Mike Babb, Ph.C</a:t>
+            </a:r>
+            <a:r>
+              <a:rPr lang="en-US" dirty="0" smtClean="0"/>
+              <a:t>.</a:t>
+            </a:r>
+          </a:p>
+          <a:p>
+            <a:r>
+              <a:rPr lang="en-US" dirty="0" smtClean="0"/>
+              <a:t>Center for Social Science Computation and Research</a:t>
+            </a:r>
+            <a:endParaRPr lang="en-US" dirty="0" smtClean="0"/>
           </a:p>
           <a:p>
             <a:r>

--- a/Introduction to Python Splash Page.pptx
+++ b/Introduction to Python Splash Page.pptx
@@ -244,7 +244,7 @@
           <a:p>
             <a:fld id="{652BE7AB-D5F9-450E-9CCB-F58AD65D0B70}" type="datetimeFigureOut">
               <a:rPr lang="en-US" smtClean="0"/>
-              <a:t>7/15/2019</a:t>
+              <a:t>9/9/2019</a:t>
             </a:fld>
             <a:endParaRPr lang="en-US"/>
           </a:p>
@@ -414,7 +414,7 @@
           <a:p>
             <a:fld id="{652BE7AB-D5F9-450E-9CCB-F58AD65D0B70}" type="datetimeFigureOut">
               <a:rPr lang="en-US" smtClean="0"/>
-              <a:t>7/15/2019</a:t>
+              <a:t>9/9/2019</a:t>
             </a:fld>
             <a:endParaRPr lang="en-US"/>
           </a:p>
@@ -594,7 +594,7 @@
           <a:p>
             <a:fld id="{652BE7AB-D5F9-450E-9CCB-F58AD65D0B70}" type="datetimeFigureOut">
               <a:rPr lang="en-US" smtClean="0"/>
-              <a:t>7/15/2019</a:t>
+              <a:t>9/9/2019</a:t>
             </a:fld>
             <a:endParaRPr lang="en-US"/>
           </a:p>
@@ -764,7 +764,7 @@
           <a:p>
             <a:fld id="{652BE7AB-D5F9-450E-9CCB-F58AD65D0B70}" type="datetimeFigureOut">
               <a:rPr lang="en-US" smtClean="0"/>
-              <a:t>7/15/2019</a:t>
+              <a:t>9/9/2019</a:t>
             </a:fld>
             <a:endParaRPr lang="en-US"/>
           </a:p>
@@ -1010,7 +1010,7 @@
           <a:p>
             <a:fld id="{652BE7AB-D5F9-450E-9CCB-F58AD65D0B70}" type="datetimeFigureOut">
               <a:rPr lang="en-US" smtClean="0"/>
-              <a:t>7/15/2019</a:t>
+              <a:t>9/9/2019</a:t>
             </a:fld>
             <a:endParaRPr lang="en-US"/>
           </a:p>
@@ -1242,7 +1242,7 @@
           <a:p>
             <a:fld id="{652BE7AB-D5F9-450E-9CCB-F58AD65D0B70}" type="datetimeFigureOut">
               <a:rPr lang="en-US" smtClean="0"/>
-              <a:t>7/15/2019</a:t>
+              <a:t>9/9/2019</a:t>
             </a:fld>
             <a:endParaRPr lang="en-US"/>
           </a:p>
@@ -1609,7 +1609,7 @@
           <a:p>
             <a:fld id="{652BE7AB-D5F9-450E-9CCB-F58AD65D0B70}" type="datetimeFigureOut">
               <a:rPr lang="en-US" smtClean="0"/>
-              <a:t>7/15/2019</a:t>
+              <a:t>9/9/2019</a:t>
             </a:fld>
             <a:endParaRPr lang="en-US"/>
           </a:p>
@@ -1727,7 +1727,7 @@
           <a:p>
             <a:fld id="{652BE7AB-D5F9-450E-9CCB-F58AD65D0B70}" type="datetimeFigureOut">
               <a:rPr lang="en-US" smtClean="0"/>
-              <a:t>7/15/2019</a:t>
+              <a:t>9/9/2019</a:t>
             </a:fld>
             <a:endParaRPr lang="en-US"/>
           </a:p>
@@ -1822,7 +1822,7 @@
           <a:p>
             <a:fld id="{652BE7AB-D5F9-450E-9CCB-F58AD65D0B70}" type="datetimeFigureOut">
               <a:rPr lang="en-US" smtClean="0"/>
-              <a:t>7/15/2019</a:t>
+              <a:t>9/9/2019</a:t>
             </a:fld>
             <a:endParaRPr lang="en-US"/>
           </a:p>
@@ -2099,7 +2099,7 @@
           <a:p>
             <a:fld id="{652BE7AB-D5F9-450E-9CCB-F58AD65D0B70}" type="datetimeFigureOut">
               <a:rPr lang="en-US" smtClean="0"/>
-              <a:t>7/15/2019</a:t>
+              <a:t>9/9/2019</a:t>
             </a:fld>
             <a:endParaRPr lang="en-US"/>
           </a:p>
@@ -2352,7 +2352,7 @@
           <a:p>
             <a:fld id="{652BE7AB-D5F9-450E-9CCB-F58AD65D0B70}" type="datetimeFigureOut">
               <a:rPr lang="en-US" smtClean="0"/>
-              <a:t>7/15/2019</a:t>
+              <a:t>9/9/2019</a:t>
             </a:fld>
             <a:endParaRPr lang="en-US"/>
           </a:p>
@@ -2565,7 +2565,7 @@
           <a:p>
             <a:fld id="{652BE7AB-D5F9-450E-9CCB-F58AD65D0B70}" type="datetimeFigureOut">
               <a:rPr lang="en-US" smtClean="0"/>
-              <a:t>7/15/2019</a:t>
+              <a:t>9/9/2019</a:t>
             </a:fld>
             <a:endParaRPr lang="en-US"/>
           </a:p>
@@ -3012,7 +3012,7 @@
           <a:p>
             <a:r>
               <a:rPr lang="en-US" dirty="0" smtClean="0"/>
-              <a:t>July 15, </a:t>
+              <a:t>September 9, </a:t>
             </a:r>
             <a:r>
               <a:rPr lang="en-US" dirty="0" smtClean="0"/>
@@ -3022,11 +3022,7 @@
           <a:p>
             <a:r>
               <a:rPr lang="en-US" dirty="0" smtClean="0"/>
-              <a:t>Mike Babb, Ph.C</a:t>
-            </a:r>
-            <a:r>
-              <a:rPr lang="en-US" dirty="0" smtClean="0"/>
-              <a:t>.</a:t>
+              <a:t>Mike Babb, Ph.C.</a:t>
             </a:r>
           </a:p>
           <a:p>
@@ -3034,7 +3030,6 @@
               <a:rPr lang="en-US" dirty="0" smtClean="0"/>
               <a:t>Center for Social Science Computation and Research</a:t>
             </a:r>
-            <a:endParaRPr lang="en-US" dirty="0" smtClean="0"/>
           </a:p>
           <a:p>
             <a:r>

--- a/Introduction to Python Splash Page.pptx
+++ b/Introduction to Python Splash Page.pptx
@@ -244,7 +244,7 @@
           <a:p>
             <a:fld id="{652BE7AB-D5F9-450E-9CCB-F58AD65D0B70}" type="datetimeFigureOut">
               <a:rPr lang="en-US" smtClean="0"/>
-              <a:t>9/9/2019</a:t>
+              <a:t>10/21/2019</a:t>
             </a:fld>
             <a:endParaRPr lang="en-US"/>
           </a:p>
@@ -414,7 +414,7 @@
           <a:p>
             <a:fld id="{652BE7AB-D5F9-450E-9CCB-F58AD65D0B70}" type="datetimeFigureOut">
               <a:rPr lang="en-US" smtClean="0"/>
-              <a:t>9/9/2019</a:t>
+              <a:t>10/21/2019</a:t>
             </a:fld>
             <a:endParaRPr lang="en-US"/>
           </a:p>
@@ -594,7 +594,7 @@
           <a:p>
             <a:fld id="{652BE7AB-D5F9-450E-9CCB-F58AD65D0B70}" type="datetimeFigureOut">
               <a:rPr lang="en-US" smtClean="0"/>
-              <a:t>9/9/2019</a:t>
+              <a:t>10/21/2019</a:t>
             </a:fld>
             <a:endParaRPr lang="en-US"/>
           </a:p>
@@ -764,7 +764,7 @@
           <a:p>
             <a:fld id="{652BE7AB-D5F9-450E-9CCB-F58AD65D0B70}" type="datetimeFigureOut">
               <a:rPr lang="en-US" smtClean="0"/>
-              <a:t>9/9/2019</a:t>
+              <a:t>10/21/2019</a:t>
             </a:fld>
             <a:endParaRPr lang="en-US"/>
           </a:p>
@@ -1010,7 +1010,7 @@
           <a:p>
             <a:fld id="{652BE7AB-D5F9-450E-9CCB-F58AD65D0B70}" type="datetimeFigureOut">
               <a:rPr lang="en-US" smtClean="0"/>
-              <a:t>9/9/2019</a:t>
+              <a:t>10/21/2019</a:t>
             </a:fld>
             <a:endParaRPr lang="en-US"/>
           </a:p>
@@ -1242,7 +1242,7 @@
           <a:p>
             <a:fld id="{652BE7AB-D5F9-450E-9CCB-F58AD65D0B70}" type="datetimeFigureOut">
               <a:rPr lang="en-US" smtClean="0"/>
-              <a:t>9/9/2019</a:t>
+              <a:t>10/21/2019</a:t>
             </a:fld>
             <a:endParaRPr lang="en-US"/>
           </a:p>
@@ -1609,7 +1609,7 @@
           <a:p>
             <a:fld id="{652BE7AB-D5F9-450E-9CCB-F58AD65D0B70}" type="datetimeFigureOut">
               <a:rPr lang="en-US" smtClean="0"/>
-              <a:t>9/9/2019</a:t>
+              <a:t>10/21/2019</a:t>
             </a:fld>
             <a:endParaRPr lang="en-US"/>
           </a:p>
@@ -1727,7 +1727,7 @@
           <a:p>
             <a:fld id="{652BE7AB-D5F9-450E-9CCB-F58AD65D0B70}" type="datetimeFigureOut">
               <a:rPr lang="en-US" smtClean="0"/>
-              <a:t>9/9/2019</a:t>
+              <a:t>10/21/2019</a:t>
             </a:fld>
             <a:endParaRPr lang="en-US"/>
           </a:p>
@@ -1822,7 +1822,7 @@
           <a:p>
             <a:fld id="{652BE7AB-D5F9-450E-9CCB-F58AD65D0B70}" type="datetimeFigureOut">
               <a:rPr lang="en-US" smtClean="0"/>
-              <a:t>9/9/2019</a:t>
+              <a:t>10/21/2019</a:t>
             </a:fld>
             <a:endParaRPr lang="en-US"/>
           </a:p>
@@ -2099,7 +2099,7 @@
           <a:p>
             <a:fld id="{652BE7AB-D5F9-450E-9CCB-F58AD65D0B70}" type="datetimeFigureOut">
               <a:rPr lang="en-US" smtClean="0"/>
-              <a:t>9/9/2019</a:t>
+              <a:t>10/21/2019</a:t>
             </a:fld>
             <a:endParaRPr lang="en-US"/>
           </a:p>
@@ -2352,7 +2352,7 @@
           <a:p>
             <a:fld id="{652BE7AB-D5F9-450E-9CCB-F58AD65D0B70}" type="datetimeFigureOut">
               <a:rPr lang="en-US" smtClean="0"/>
-              <a:t>9/9/2019</a:t>
+              <a:t>10/21/2019</a:t>
             </a:fld>
             <a:endParaRPr lang="en-US"/>
           </a:p>
@@ -2565,7 +2565,7 @@
           <a:p>
             <a:fld id="{652BE7AB-D5F9-450E-9CCB-F58AD65D0B70}" type="datetimeFigureOut">
               <a:rPr lang="en-US" smtClean="0"/>
-              <a:t>9/9/2019</a:t>
+              <a:t>10/21/2019</a:t>
             </a:fld>
             <a:endParaRPr lang="en-US"/>
           </a:p>
@@ -3012,7 +3012,7 @@
           <a:p>
             <a:r>
               <a:rPr lang="en-US" dirty="0" smtClean="0"/>
-              <a:t>September 9, </a:t>
+              <a:t>October 21, </a:t>
             </a:r>
             <a:r>
               <a:rPr lang="en-US" dirty="0" smtClean="0"/>

--- a/Introduction to Python Splash Page.pptx
+++ b/Introduction to Python Splash Page.pptx
@@ -155,10 +155,9 @@
           </a:lstStyle>
           <a:p>
             <a:r>
-              <a:rPr lang="en-US" smtClean="0"/>
+              <a:rPr lang="en-US"/>
               <a:t>Click to edit Master title style</a:t>
             </a:r>
-            <a:endParaRPr lang="en-US"/>
           </a:p>
         </p:txBody>
       </p:sp>
@@ -220,10 +219,9 @@
           </a:lstStyle>
           <a:p>
             <a:r>
-              <a:rPr lang="en-US" smtClean="0"/>
+              <a:rPr lang="en-US"/>
               <a:t>Click to edit Master subtitle style</a:t>
             </a:r>
-            <a:endParaRPr lang="en-US"/>
           </a:p>
         </p:txBody>
       </p:sp>
@@ -244,7 +242,7 @@
           <a:p>
             <a:fld id="{652BE7AB-D5F9-450E-9CCB-F58AD65D0B70}" type="datetimeFigureOut">
               <a:rPr lang="en-US" smtClean="0"/>
-              <a:t>10/21/2019</a:t>
+              <a:t>1/22/2020</a:t>
             </a:fld>
             <a:endParaRPr lang="en-US"/>
           </a:p>
@@ -338,10 +336,9 @@
           <a:lstStyle/>
           <a:p>
             <a:r>
-              <a:rPr lang="en-US" smtClean="0"/>
+              <a:rPr lang="en-US"/>
               <a:t>Click to edit Master title style</a:t>
             </a:r>
-            <a:endParaRPr lang="en-US"/>
           </a:p>
         </p:txBody>
       </p:sp>
@@ -362,38 +359,37 @@
           <a:p>
             <a:pPr lvl="0"/>
             <a:r>
-              <a:rPr lang="en-US" smtClean="0"/>
+              <a:rPr lang="en-US"/>
               <a:t>Click to edit Master text styles</a:t>
             </a:r>
           </a:p>
           <a:p>
             <a:pPr lvl="1"/>
             <a:r>
-              <a:rPr lang="en-US" smtClean="0"/>
+              <a:rPr lang="en-US"/>
               <a:t>Second level</a:t>
             </a:r>
           </a:p>
           <a:p>
             <a:pPr lvl="2"/>
             <a:r>
-              <a:rPr lang="en-US" smtClean="0"/>
+              <a:rPr lang="en-US"/>
               <a:t>Third level</a:t>
             </a:r>
           </a:p>
           <a:p>
             <a:pPr lvl="3"/>
             <a:r>
-              <a:rPr lang="en-US" smtClean="0"/>
+              <a:rPr lang="en-US"/>
               <a:t>Fourth level</a:t>
             </a:r>
           </a:p>
           <a:p>
             <a:pPr lvl="4"/>
             <a:r>
-              <a:rPr lang="en-US" smtClean="0"/>
+              <a:rPr lang="en-US"/>
               <a:t>Fifth level</a:t>
             </a:r>
-            <a:endParaRPr lang="en-US"/>
           </a:p>
         </p:txBody>
       </p:sp>
@@ -414,7 +410,7 @@
           <a:p>
             <a:fld id="{652BE7AB-D5F9-450E-9CCB-F58AD65D0B70}" type="datetimeFigureOut">
               <a:rPr lang="en-US" smtClean="0"/>
-              <a:t>10/21/2019</a:t>
+              <a:t>1/22/2020</a:t>
             </a:fld>
             <a:endParaRPr lang="en-US"/>
           </a:p>
@@ -513,10 +509,9 @@
           <a:lstStyle/>
           <a:p>
             <a:r>
-              <a:rPr lang="en-US" smtClean="0"/>
+              <a:rPr lang="en-US"/>
               <a:t>Click to edit Master title style</a:t>
             </a:r>
-            <a:endParaRPr lang="en-US"/>
           </a:p>
         </p:txBody>
       </p:sp>
@@ -542,38 +537,37 @@
           <a:p>
             <a:pPr lvl="0"/>
             <a:r>
-              <a:rPr lang="en-US" smtClean="0"/>
+              <a:rPr lang="en-US"/>
               <a:t>Click to edit Master text styles</a:t>
             </a:r>
           </a:p>
           <a:p>
             <a:pPr lvl="1"/>
             <a:r>
-              <a:rPr lang="en-US" smtClean="0"/>
+              <a:rPr lang="en-US"/>
               <a:t>Second level</a:t>
             </a:r>
           </a:p>
           <a:p>
             <a:pPr lvl="2"/>
             <a:r>
-              <a:rPr lang="en-US" smtClean="0"/>
+              <a:rPr lang="en-US"/>
               <a:t>Third level</a:t>
             </a:r>
           </a:p>
           <a:p>
             <a:pPr lvl="3"/>
             <a:r>
-              <a:rPr lang="en-US" smtClean="0"/>
+              <a:rPr lang="en-US"/>
               <a:t>Fourth level</a:t>
             </a:r>
           </a:p>
           <a:p>
             <a:pPr lvl="4"/>
             <a:r>
-              <a:rPr lang="en-US" smtClean="0"/>
+              <a:rPr lang="en-US"/>
               <a:t>Fifth level</a:t>
             </a:r>
-            <a:endParaRPr lang="en-US"/>
           </a:p>
         </p:txBody>
       </p:sp>
@@ -594,7 +588,7 @@
           <a:p>
             <a:fld id="{652BE7AB-D5F9-450E-9CCB-F58AD65D0B70}" type="datetimeFigureOut">
               <a:rPr lang="en-US" smtClean="0"/>
-              <a:t>10/21/2019</a:t>
+              <a:t>1/22/2020</a:t>
             </a:fld>
             <a:endParaRPr lang="en-US"/>
           </a:p>
@@ -688,10 +682,9 @@
           <a:lstStyle/>
           <a:p>
             <a:r>
-              <a:rPr lang="en-US" smtClean="0"/>
+              <a:rPr lang="en-US"/>
               <a:t>Click to edit Master title style</a:t>
             </a:r>
-            <a:endParaRPr lang="en-US"/>
           </a:p>
         </p:txBody>
       </p:sp>
@@ -712,38 +705,37 @@
           <a:p>
             <a:pPr lvl="0"/>
             <a:r>
-              <a:rPr lang="en-US" smtClean="0"/>
+              <a:rPr lang="en-US"/>
               <a:t>Click to edit Master text styles</a:t>
             </a:r>
           </a:p>
           <a:p>
             <a:pPr lvl="1"/>
             <a:r>
-              <a:rPr lang="en-US" smtClean="0"/>
+              <a:rPr lang="en-US"/>
               <a:t>Second level</a:t>
             </a:r>
           </a:p>
           <a:p>
             <a:pPr lvl="2"/>
             <a:r>
-              <a:rPr lang="en-US" smtClean="0"/>
+              <a:rPr lang="en-US"/>
               <a:t>Third level</a:t>
             </a:r>
           </a:p>
           <a:p>
             <a:pPr lvl="3"/>
             <a:r>
-              <a:rPr lang="en-US" smtClean="0"/>
+              <a:rPr lang="en-US"/>
               <a:t>Fourth level</a:t>
             </a:r>
           </a:p>
           <a:p>
             <a:pPr lvl="4"/>
             <a:r>
-              <a:rPr lang="en-US" smtClean="0"/>
+              <a:rPr lang="en-US"/>
               <a:t>Fifth level</a:t>
             </a:r>
-            <a:endParaRPr lang="en-US"/>
           </a:p>
         </p:txBody>
       </p:sp>
@@ -764,7 +756,7 @@
           <a:p>
             <a:fld id="{652BE7AB-D5F9-450E-9CCB-F58AD65D0B70}" type="datetimeFigureOut">
               <a:rPr lang="en-US" smtClean="0"/>
-              <a:t>10/21/2019</a:t>
+              <a:t>1/22/2020</a:t>
             </a:fld>
             <a:endParaRPr lang="en-US"/>
           </a:p>
@@ -867,10 +859,9 @@
           </a:lstStyle>
           <a:p>
             <a:r>
-              <a:rPr lang="en-US" smtClean="0"/>
+              <a:rPr lang="en-US"/>
               <a:t>Click to edit Master title style</a:t>
             </a:r>
-            <a:endParaRPr lang="en-US"/>
           </a:p>
         </p:txBody>
       </p:sp>
@@ -987,7 +978,7 @@
           <a:p>
             <a:pPr lvl="0"/>
             <a:r>
-              <a:rPr lang="en-US" smtClean="0"/>
+              <a:rPr lang="en-US"/>
               <a:t>Click to edit Master text styles</a:t>
             </a:r>
           </a:p>
@@ -1010,7 +1001,7 @@
           <a:p>
             <a:fld id="{652BE7AB-D5F9-450E-9CCB-F58AD65D0B70}" type="datetimeFigureOut">
               <a:rPr lang="en-US" smtClean="0"/>
-              <a:t>10/21/2019</a:t>
+              <a:t>1/22/2020</a:t>
             </a:fld>
             <a:endParaRPr lang="en-US"/>
           </a:p>
@@ -1104,10 +1095,9 @@
           <a:lstStyle/>
           <a:p>
             <a:r>
-              <a:rPr lang="en-US" smtClean="0"/>
+              <a:rPr lang="en-US"/>
               <a:t>Click to edit Master title style</a:t>
             </a:r>
-            <a:endParaRPr lang="en-US"/>
           </a:p>
         </p:txBody>
       </p:sp>
@@ -1133,38 +1123,37 @@
           <a:p>
             <a:pPr lvl="0"/>
             <a:r>
-              <a:rPr lang="en-US" smtClean="0"/>
+              <a:rPr lang="en-US"/>
               <a:t>Click to edit Master text styles</a:t>
             </a:r>
           </a:p>
           <a:p>
             <a:pPr lvl="1"/>
             <a:r>
-              <a:rPr lang="en-US" smtClean="0"/>
+              <a:rPr lang="en-US"/>
               <a:t>Second level</a:t>
             </a:r>
           </a:p>
           <a:p>
             <a:pPr lvl="2"/>
             <a:r>
-              <a:rPr lang="en-US" smtClean="0"/>
+              <a:rPr lang="en-US"/>
               <a:t>Third level</a:t>
             </a:r>
           </a:p>
           <a:p>
             <a:pPr lvl="3"/>
             <a:r>
-              <a:rPr lang="en-US" smtClean="0"/>
+              <a:rPr lang="en-US"/>
               <a:t>Fourth level</a:t>
             </a:r>
           </a:p>
           <a:p>
             <a:pPr lvl="4"/>
             <a:r>
-              <a:rPr lang="en-US" smtClean="0"/>
+              <a:rPr lang="en-US"/>
               <a:t>Fifth level</a:t>
             </a:r>
-            <a:endParaRPr lang="en-US"/>
           </a:p>
         </p:txBody>
       </p:sp>
@@ -1190,38 +1179,37 @@
           <a:p>
             <a:pPr lvl="0"/>
             <a:r>
-              <a:rPr lang="en-US" smtClean="0"/>
+              <a:rPr lang="en-US"/>
               <a:t>Click to edit Master text styles</a:t>
             </a:r>
           </a:p>
           <a:p>
             <a:pPr lvl="1"/>
             <a:r>
-              <a:rPr lang="en-US" smtClean="0"/>
+              <a:rPr lang="en-US"/>
               <a:t>Second level</a:t>
             </a:r>
           </a:p>
           <a:p>
             <a:pPr lvl="2"/>
             <a:r>
-              <a:rPr lang="en-US" smtClean="0"/>
+              <a:rPr lang="en-US"/>
               <a:t>Third level</a:t>
             </a:r>
           </a:p>
           <a:p>
             <a:pPr lvl="3"/>
             <a:r>
-              <a:rPr lang="en-US" smtClean="0"/>
+              <a:rPr lang="en-US"/>
               <a:t>Fourth level</a:t>
             </a:r>
           </a:p>
           <a:p>
             <a:pPr lvl="4"/>
             <a:r>
-              <a:rPr lang="en-US" smtClean="0"/>
+              <a:rPr lang="en-US"/>
               <a:t>Fifth level</a:t>
             </a:r>
-            <a:endParaRPr lang="en-US"/>
           </a:p>
         </p:txBody>
       </p:sp>
@@ -1242,7 +1230,7 @@
           <a:p>
             <a:fld id="{652BE7AB-D5F9-450E-9CCB-F58AD65D0B70}" type="datetimeFigureOut">
               <a:rPr lang="en-US" smtClean="0"/>
-              <a:t>10/21/2019</a:t>
+              <a:t>1/22/2020</a:t>
             </a:fld>
             <a:endParaRPr lang="en-US"/>
           </a:p>
@@ -1341,10 +1329,9 @@
           <a:lstStyle/>
           <a:p>
             <a:r>
-              <a:rPr lang="en-US" smtClean="0"/>
+              <a:rPr lang="en-US"/>
               <a:t>Click to edit Master title style</a:t>
             </a:r>
-            <a:endParaRPr lang="en-US"/>
           </a:p>
         </p:txBody>
       </p:sp>
@@ -1407,7 +1394,7 @@
           <a:p>
             <a:pPr lvl="0"/>
             <a:r>
-              <a:rPr lang="en-US" smtClean="0"/>
+              <a:rPr lang="en-US"/>
               <a:t>Click to edit Master text styles</a:t>
             </a:r>
           </a:p>
@@ -1435,38 +1422,37 @@
           <a:p>
             <a:pPr lvl="0"/>
             <a:r>
-              <a:rPr lang="en-US" smtClean="0"/>
+              <a:rPr lang="en-US"/>
               <a:t>Click to edit Master text styles</a:t>
             </a:r>
           </a:p>
           <a:p>
             <a:pPr lvl="1"/>
             <a:r>
-              <a:rPr lang="en-US" smtClean="0"/>
+              <a:rPr lang="en-US"/>
               <a:t>Second level</a:t>
             </a:r>
           </a:p>
           <a:p>
             <a:pPr lvl="2"/>
             <a:r>
-              <a:rPr lang="en-US" smtClean="0"/>
+              <a:rPr lang="en-US"/>
               <a:t>Third level</a:t>
             </a:r>
           </a:p>
           <a:p>
             <a:pPr lvl="3"/>
             <a:r>
-              <a:rPr lang="en-US" smtClean="0"/>
+              <a:rPr lang="en-US"/>
               <a:t>Fourth level</a:t>
             </a:r>
           </a:p>
           <a:p>
             <a:pPr lvl="4"/>
             <a:r>
-              <a:rPr lang="en-US" smtClean="0"/>
+              <a:rPr lang="en-US"/>
               <a:t>Fifth level</a:t>
             </a:r>
-            <a:endParaRPr lang="en-US"/>
           </a:p>
         </p:txBody>
       </p:sp>
@@ -1529,7 +1515,7 @@
           <a:p>
             <a:pPr lvl="0"/>
             <a:r>
-              <a:rPr lang="en-US" smtClean="0"/>
+              <a:rPr lang="en-US"/>
               <a:t>Click to edit Master text styles</a:t>
             </a:r>
           </a:p>
@@ -1557,38 +1543,37 @@
           <a:p>
             <a:pPr lvl="0"/>
             <a:r>
-              <a:rPr lang="en-US" smtClean="0"/>
+              <a:rPr lang="en-US"/>
               <a:t>Click to edit Master text styles</a:t>
             </a:r>
           </a:p>
           <a:p>
             <a:pPr lvl="1"/>
             <a:r>
-              <a:rPr lang="en-US" smtClean="0"/>
+              <a:rPr lang="en-US"/>
               <a:t>Second level</a:t>
             </a:r>
           </a:p>
           <a:p>
             <a:pPr lvl="2"/>
             <a:r>
-              <a:rPr lang="en-US" smtClean="0"/>
+              <a:rPr lang="en-US"/>
               <a:t>Third level</a:t>
             </a:r>
           </a:p>
           <a:p>
             <a:pPr lvl="3"/>
             <a:r>
-              <a:rPr lang="en-US" smtClean="0"/>
+              <a:rPr lang="en-US"/>
               <a:t>Fourth level</a:t>
             </a:r>
           </a:p>
           <a:p>
             <a:pPr lvl="4"/>
             <a:r>
-              <a:rPr lang="en-US" smtClean="0"/>
+              <a:rPr lang="en-US"/>
               <a:t>Fifth level</a:t>
             </a:r>
-            <a:endParaRPr lang="en-US"/>
           </a:p>
         </p:txBody>
       </p:sp>
@@ -1609,7 +1594,7 @@
           <a:p>
             <a:fld id="{652BE7AB-D5F9-450E-9CCB-F58AD65D0B70}" type="datetimeFigureOut">
               <a:rPr lang="en-US" smtClean="0"/>
-              <a:t>10/21/2019</a:t>
+              <a:t>1/22/2020</a:t>
             </a:fld>
             <a:endParaRPr lang="en-US"/>
           </a:p>
@@ -1703,10 +1688,9 @@
           <a:lstStyle/>
           <a:p>
             <a:r>
-              <a:rPr lang="en-US" smtClean="0"/>
+              <a:rPr lang="en-US"/>
               <a:t>Click to edit Master title style</a:t>
             </a:r>
-            <a:endParaRPr lang="en-US"/>
           </a:p>
         </p:txBody>
       </p:sp>
@@ -1727,7 +1711,7 @@
           <a:p>
             <a:fld id="{652BE7AB-D5F9-450E-9CCB-F58AD65D0B70}" type="datetimeFigureOut">
               <a:rPr lang="en-US" smtClean="0"/>
-              <a:t>10/21/2019</a:t>
+              <a:t>1/22/2020</a:t>
             </a:fld>
             <a:endParaRPr lang="en-US"/>
           </a:p>
@@ -1822,7 +1806,7 @@
           <a:p>
             <a:fld id="{652BE7AB-D5F9-450E-9CCB-F58AD65D0B70}" type="datetimeFigureOut">
               <a:rPr lang="en-US" smtClean="0"/>
-              <a:t>10/21/2019</a:t>
+              <a:t>1/22/2020</a:t>
             </a:fld>
             <a:endParaRPr lang="en-US"/>
           </a:p>
@@ -1925,10 +1909,9 @@
           </a:lstStyle>
           <a:p>
             <a:r>
-              <a:rPr lang="en-US" smtClean="0"/>
+              <a:rPr lang="en-US"/>
               <a:t>Click to edit Master title style</a:t>
             </a:r>
-            <a:endParaRPr lang="en-US"/>
           </a:p>
         </p:txBody>
       </p:sp>
@@ -1982,38 +1965,37 @@
           <a:p>
             <a:pPr lvl="0"/>
             <a:r>
-              <a:rPr lang="en-US" smtClean="0"/>
+              <a:rPr lang="en-US"/>
               <a:t>Click to edit Master text styles</a:t>
             </a:r>
           </a:p>
           <a:p>
             <a:pPr lvl="1"/>
             <a:r>
-              <a:rPr lang="en-US" smtClean="0"/>
+              <a:rPr lang="en-US"/>
               <a:t>Second level</a:t>
             </a:r>
           </a:p>
           <a:p>
             <a:pPr lvl="2"/>
             <a:r>
-              <a:rPr lang="en-US" smtClean="0"/>
+              <a:rPr lang="en-US"/>
               <a:t>Third level</a:t>
             </a:r>
           </a:p>
           <a:p>
             <a:pPr lvl="3"/>
             <a:r>
-              <a:rPr lang="en-US" smtClean="0"/>
+              <a:rPr lang="en-US"/>
               <a:t>Fourth level</a:t>
             </a:r>
           </a:p>
           <a:p>
             <a:pPr lvl="4"/>
             <a:r>
-              <a:rPr lang="en-US" smtClean="0"/>
+              <a:rPr lang="en-US"/>
               <a:t>Fifth level</a:t>
             </a:r>
-            <a:endParaRPr lang="en-US"/>
           </a:p>
         </p:txBody>
       </p:sp>
@@ -2076,7 +2058,7 @@
           <a:p>
             <a:pPr lvl="0"/>
             <a:r>
-              <a:rPr lang="en-US" smtClean="0"/>
+              <a:rPr lang="en-US"/>
               <a:t>Click to edit Master text styles</a:t>
             </a:r>
           </a:p>
@@ -2099,7 +2081,7 @@
           <a:p>
             <a:fld id="{652BE7AB-D5F9-450E-9CCB-F58AD65D0B70}" type="datetimeFigureOut">
               <a:rPr lang="en-US" smtClean="0"/>
-              <a:t>10/21/2019</a:t>
+              <a:t>1/22/2020</a:t>
             </a:fld>
             <a:endParaRPr lang="en-US"/>
           </a:p>
@@ -2202,10 +2184,9 @@
           </a:lstStyle>
           <a:p>
             <a:r>
-              <a:rPr lang="en-US" smtClean="0"/>
+              <a:rPr lang="en-US"/>
               <a:t>Click to edit Master title style</a:t>
             </a:r>
-            <a:endParaRPr lang="en-US"/>
           </a:p>
         </p:txBody>
       </p:sp>
@@ -2329,7 +2310,7 @@
           <a:p>
             <a:pPr lvl="0"/>
             <a:r>
-              <a:rPr lang="en-US" smtClean="0"/>
+              <a:rPr lang="en-US"/>
               <a:t>Click to edit Master text styles</a:t>
             </a:r>
           </a:p>
@@ -2352,7 +2333,7 @@
           <a:p>
             <a:fld id="{652BE7AB-D5F9-450E-9CCB-F58AD65D0B70}" type="datetimeFigureOut">
               <a:rPr lang="en-US" smtClean="0"/>
-              <a:t>10/21/2019</a:t>
+              <a:t>1/22/2020</a:t>
             </a:fld>
             <a:endParaRPr lang="en-US"/>
           </a:p>
@@ -2461,10 +2442,9 @@
           <a:lstStyle/>
           <a:p>
             <a:r>
-              <a:rPr lang="en-US" smtClean="0"/>
+              <a:rPr lang="en-US"/>
               <a:t>Click to edit Master title style</a:t>
             </a:r>
-            <a:endParaRPr lang="en-US"/>
           </a:p>
         </p:txBody>
       </p:sp>
@@ -2495,38 +2475,37 @@
           <a:p>
             <a:pPr lvl="0"/>
             <a:r>
-              <a:rPr lang="en-US" smtClean="0"/>
+              <a:rPr lang="en-US"/>
               <a:t>Click to edit Master text styles</a:t>
             </a:r>
           </a:p>
           <a:p>
             <a:pPr lvl="1"/>
             <a:r>
-              <a:rPr lang="en-US" smtClean="0"/>
+              <a:rPr lang="en-US"/>
               <a:t>Second level</a:t>
             </a:r>
           </a:p>
           <a:p>
             <a:pPr lvl="2"/>
             <a:r>
-              <a:rPr lang="en-US" smtClean="0"/>
+              <a:rPr lang="en-US"/>
               <a:t>Third level</a:t>
             </a:r>
           </a:p>
           <a:p>
             <a:pPr lvl="3"/>
             <a:r>
-              <a:rPr lang="en-US" smtClean="0"/>
+              <a:rPr lang="en-US"/>
               <a:t>Fourth level</a:t>
             </a:r>
           </a:p>
           <a:p>
             <a:pPr lvl="4"/>
             <a:r>
-              <a:rPr lang="en-US" smtClean="0"/>
+              <a:rPr lang="en-US"/>
               <a:t>Fifth level</a:t>
             </a:r>
-            <a:endParaRPr lang="en-US"/>
           </a:p>
         </p:txBody>
       </p:sp>
@@ -2565,7 +2544,7 @@
           <a:p>
             <a:fld id="{652BE7AB-D5F9-450E-9CCB-F58AD65D0B70}" type="datetimeFigureOut">
               <a:rPr lang="en-US" smtClean="0"/>
-              <a:t>10/21/2019</a:t>
+              <a:t>1/22/2020</a:t>
             </a:fld>
             <a:endParaRPr lang="en-US"/>
           </a:p>
@@ -2986,10 +2965,9 @@
           <a:lstStyle/>
           <a:p>
             <a:r>
-              <a:rPr lang="en-US" dirty="0" smtClean="0"/>
+              <a:rPr lang="en-US" dirty="0"/>
               <a:t>Introduction to Python</a:t>
             </a:r>
-            <a:endParaRPr lang="en-US" dirty="0"/>
           </a:p>
         </p:txBody>
       </p:sp>
@@ -3011,32 +2989,28 @@
           <a:lstStyle/>
           <a:p>
             <a:r>
-              <a:rPr lang="en-US" dirty="0" smtClean="0"/>
-              <a:t>October 21, </a:t>
-            </a:r>
-            <a:r>
-              <a:rPr lang="en-US" dirty="0" smtClean="0"/>
-              <a:t>2019</a:t>
-            </a:r>
-          </a:p>
-          <a:p>
-            <a:r>
-              <a:rPr lang="en-US" dirty="0" smtClean="0"/>
+              <a:rPr lang="en-US"/>
+              <a:t>January 27, 2020</a:t>
+            </a:r>
+            <a:endParaRPr lang="en-US" dirty="0"/>
+          </a:p>
+          <a:p>
+            <a:r>
+              <a:rPr lang="en-US" dirty="0"/>
               <a:t>Mike Babb, Ph.C.</a:t>
             </a:r>
           </a:p>
           <a:p>
             <a:r>
-              <a:rPr lang="en-US" dirty="0" smtClean="0"/>
+              <a:rPr lang="en-US" dirty="0"/>
               <a:t>Center for Social Science Computation and Research</a:t>
             </a:r>
           </a:p>
           <a:p>
             <a:r>
-              <a:rPr lang="en-US" dirty="0" smtClean="0"/>
+              <a:rPr lang="en-US" dirty="0"/>
               <a:t>Department of Geography, UW</a:t>
             </a:r>
-            <a:endParaRPr lang="en-US" dirty="0"/>
           </a:p>
         </p:txBody>
       </p:sp>
@@ -3080,13 +3054,6 @@
   <p:clrMapOvr>
     <a:masterClrMapping/>
   </p:clrMapOvr>
-  <p:timing>
-    <p:tnLst>
-      <p:par>
-        <p:cTn id="1" dur="indefinite" restart="never" nodeType="tmRoot"/>
-      </p:par>
-    </p:tnLst>
-  </p:timing>
 </p:sld>
 </file>
 
@@ -3125,10 +3092,9 @@
           <a:lstStyle/>
           <a:p>
             <a:r>
-              <a:rPr lang="en-US" sz="4000" dirty="0" smtClean="0"/>
+              <a:rPr lang="en-US" sz="4000" dirty="0"/>
               <a:t>Location of this tutorial and workshop material</a:t>
             </a:r>
-            <a:endParaRPr lang="en-US" sz="4000" dirty="0"/>
           </a:p>
         </p:txBody>
       </p:sp>
@@ -3171,13 +3137,6 @@
   <p:clrMapOvr>
     <a:masterClrMapping/>
   </p:clrMapOvr>
-  <p:timing>
-    <p:tnLst>
-      <p:par>
-        <p:cTn id="1" dur="indefinite" restart="never" nodeType="tmRoot"/>
-      </p:par>
-    </p:tnLst>
-  </p:timing>
 </p:sld>
 </file>
 

--- a/Introduction to Python Splash Page.pptx
+++ b/Introduction to Python Splash Page.pptx
@@ -242,7 +242,7 @@
           <a:p>
             <a:fld id="{652BE7AB-D5F9-450E-9CCB-F58AD65D0B70}" type="datetimeFigureOut">
               <a:rPr lang="en-US" smtClean="0"/>
-              <a:t>1/22/2020</a:t>
+              <a:t>2/10/2020</a:t>
             </a:fld>
             <a:endParaRPr lang="en-US"/>
           </a:p>
@@ -410,7 +410,7 @@
           <a:p>
             <a:fld id="{652BE7AB-D5F9-450E-9CCB-F58AD65D0B70}" type="datetimeFigureOut">
               <a:rPr lang="en-US" smtClean="0"/>
-              <a:t>1/22/2020</a:t>
+              <a:t>2/10/2020</a:t>
             </a:fld>
             <a:endParaRPr lang="en-US"/>
           </a:p>
@@ -588,7 +588,7 @@
           <a:p>
             <a:fld id="{652BE7AB-D5F9-450E-9CCB-F58AD65D0B70}" type="datetimeFigureOut">
               <a:rPr lang="en-US" smtClean="0"/>
-              <a:t>1/22/2020</a:t>
+              <a:t>2/10/2020</a:t>
             </a:fld>
             <a:endParaRPr lang="en-US"/>
           </a:p>
@@ -756,7 +756,7 @@
           <a:p>
             <a:fld id="{652BE7AB-D5F9-450E-9CCB-F58AD65D0B70}" type="datetimeFigureOut">
               <a:rPr lang="en-US" smtClean="0"/>
-              <a:t>1/22/2020</a:t>
+              <a:t>2/10/2020</a:t>
             </a:fld>
             <a:endParaRPr lang="en-US"/>
           </a:p>
@@ -1001,7 +1001,7 @@
           <a:p>
             <a:fld id="{652BE7AB-D5F9-450E-9CCB-F58AD65D0B70}" type="datetimeFigureOut">
               <a:rPr lang="en-US" smtClean="0"/>
-              <a:t>1/22/2020</a:t>
+              <a:t>2/10/2020</a:t>
             </a:fld>
             <a:endParaRPr lang="en-US"/>
           </a:p>
@@ -1230,7 +1230,7 @@
           <a:p>
             <a:fld id="{652BE7AB-D5F9-450E-9CCB-F58AD65D0B70}" type="datetimeFigureOut">
               <a:rPr lang="en-US" smtClean="0"/>
-              <a:t>1/22/2020</a:t>
+              <a:t>2/10/2020</a:t>
             </a:fld>
             <a:endParaRPr lang="en-US"/>
           </a:p>
@@ -1594,7 +1594,7 @@
           <a:p>
             <a:fld id="{652BE7AB-D5F9-450E-9CCB-F58AD65D0B70}" type="datetimeFigureOut">
               <a:rPr lang="en-US" smtClean="0"/>
-              <a:t>1/22/2020</a:t>
+              <a:t>2/10/2020</a:t>
             </a:fld>
             <a:endParaRPr lang="en-US"/>
           </a:p>
@@ -1711,7 +1711,7 @@
           <a:p>
             <a:fld id="{652BE7AB-D5F9-450E-9CCB-F58AD65D0B70}" type="datetimeFigureOut">
               <a:rPr lang="en-US" smtClean="0"/>
-              <a:t>1/22/2020</a:t>
+              <a:t>2/10/2020</a:t>
             </a:fld>
             <a:endParaRPr lang="en-US"/>
           </a:p>
@@ -1806,7 +1806,7 @@
           <a:p>
             <a:fld id="{652BE7AB-D5F9-450E-9CCB-F58AD65D0B70}" type="datetimeFigureOut">
               <a:rPr lang="en-US" smtClean="0"/>
-              <a:t>1/22/2020</a:t>
+              <a:t>2/10/2020</a:t>
             </a:fld>
             <a:endParaRPr lang="en-US"/>
           </a:p>
@@ -2081,7 +2081,7 @@
           <a:p>
             <a:fld id="{652BE7AB-D5F9-450E-9CCB-F58AD65D0B70}" type="datetimeFigureOut">
               <a:rPr lang="en-US" smtClean="0"/>
-              <a:t>1/22/2020</a:t>
+              <a:t>2/10/2020</a:t>
             </a:fld>
             <a:endParaRPr lang="en-US"/>
           </a:p>
@@ -2333,7 +2333,7 @@
           <a:p>
             <a:fld id="{652BE7AB-D5F9-450E-9CCB-F58AD65D0B70}" type="datetimeFigureOut">
               <a:rPr lang="en-US" smtClean="0"/>
-              <a:t>1/22/2020</a:t>
+              <a:t>2/10/2020</a:t>
             </a:fld>
             <a:endParaRPr lang="en-US"/>
           </a:p>
@@ -2544,7 +2544,7 @@
           <a:p>
             <a:fld id="{652BE7AB-D5F9-450E-9CCB-F58AD65D0B70}" type="datetimeFigureOut">
               <a:rPr lang="en-US" smtClean="0"/>
-              <a:t>1/22/2020</a:t>
+              <a:t>2/10/2020</a:t>
             </a:fld>
             <a:endParaRPr lang="en-US"/>
           </a:p>
@@ -2990,9 +2990,12 @@
           <a:p>
             <a:r>
               <a:rPr lang="en-US"/>
-              <a:t>January 27, 2020</a:t>
-            </a:r>
-            <a:endParaRPr lang="en-US" dirty="0"/>
+              <a:t>February 10, </a:t>
+            </a:r>
+            <a:r>
+              <a:rPr lang="en-US" dirty="0"/>
+              <a:t>2020</a:t>
+            </a:r>
           </a:p>
           <a:p>
             <a:r>

--- a/Introduction to Python Splash Page.pptx
+++ b/Introduction to Python Splash Page.pptx
@@ -242,7 +242,7 @@
           <a:p>
             <a:fld id="{652BE7AB-D5F9-450E-9CCB-F58AD65D0B70}" type="datetimeFigureOut">
               <a:rPr lang="en-US" smtClean="0"/>
-              <a:t>2/10/2020</a:t>
+              <a:t>9/13/2020</a:t>
             </a:fld>
             <a:endParaRPr lang="en-US"/>
           </a:p>
@@ -410,7 +410,7 @@
           <a:p>
             <a:fld id="{652BE7AB-D5F9-450E-9CCB-F58AD65D0B70}" type="datetimeFigureOut">
               <a:rPr lang="en-US" smtClean="0"/>
-              <a:t>2/10/2020</a:t>
+              <a:t>9/13/2020</a:t>
             </a:fld>
             <a:endParaRPr lang="en-US"/>
           </a:p>
@@ -588,7 +588,7 @@
           <a:p>
             <a:fld id="{652BE7AB-D5F9-450E-9CCB-F58AD65D0B70}" type="datetimeFigureOut">
               <a:rPr lang="en-US" smtClean="0"/>
-              <a:t>2/10/2020</a:t>
+              <a:t>9/13/2020</a:t>
             </a:fld>
             <a:endParaRPr lang="en-US"/>
           </a:p>
@@ -756,7 +756,7 @@
           <a:p>
             <a:fld id="{652BE7AB-D5F9-450E-9CCB-F58AD65D0B70}" type="datetimeFigureOut">
               <a:rPr lang="en-US" smtClean="0"/>
-              <a:t>2/10/2020</a:t>
+              <a:t>9/13/2020</a:t>
             </a:fld>
             <a:endParaRPr lang="en-US"/>
           </a:p>
@@ -1001,7 +1001,7 @@
           <a:p>
             <a:fld id="{652BE7AB-D5F9-450E-9CCB-F58AD65D0B70}" type="datetimeFigureOut">
               <a:rPr lang="en-US" smtClean="0"/>
-              <a:t>2/10/2020</a:t>
+              <a:t>9/13/2020</a:t>
             </a:fld>
             <a:endParaRPr lang="en-US"/>
           </a:p>
@@ -1230,7 +1230,7 @@
           <a:p>
             <a:fld id="{652BE7AB-D5F9-450E-9CCB-F58AD65D0B70}" type="datetimeFigureOut">
               <a:rPr lang="en-US" smtClean="0"/>
-              <a:t>2/10/2020</a:t>
+              <a:t>9/13/2020</a:t>
             </a:fld>
             <a:endParaRPr lang="en-US"/>
           </a:p>
@@ -1594,7 +1594,7 @@
           <a:p>
             <a:fld id="{652BE7AB-D5F9-450E-9CCB-F58AD65D0B70}" type="datetimeFigureOut">
               <a:rPr lang="en-US" smtClean="0"/>
-              <a:t>2/10/2020</a:t>
+              <a:t>9/13/2020</a:t>
             </a:fld>
             <a:endParaRPr lang="en-US"/>
           </a:p>
@@ -1711,7 +1711,7 @@
           <a:p>
             <a:fld id="{652BE7AB-D5F9-450E-9CCB-F58AD65D0B70}" type="datetimeFigureOut">
               <a:rPr lang="en-US" smtClean="0"/>
-              <a:t>2/10/2020</a:t>
+              <a:t>9/13/2020</a:t>
             </a:fld>
             <a:endParaRPr lang="en-US"/>
           </a:p>
@@ -1806,7 +1806,7 @@
           <a:p>
             <a:fld id="{652BE7AB-D5F9-450E-9CCB-F58AD65D0B70}" type="datetimeFigureOut">
               <a:rPr lang="en-US" smtClean="0"/>
-              <a:t>2/10/2020</a:t>
+              <a:t>9/13/2020</a:t>
             </a:fld>
             <a:endParaRPr lang="en-US"/>
           </a:p>
@@ -2081,7 +2081,7 @@
           <a:p>
             <a:fld id="{652BE7AB-D5F9-450E-9CCB-F58AD65D0B70}" type="datetimeFigureOut">
               <a:rPr lang="en-US" smtClean="0"/>
-              <a:t>2/10/2020</a:t>
+              <a:t>9/13/2020</a:t>
             </a:fld>
             <a:endParaRPr lang="en-US"/>
           </a:p>
@@ -2333,7 +2333,7 @@
           <a:p>
             <a:fld id="{652BE7AB-D5F9-450E-9CCB-F58AD65D0B70}" type="datetimeFigureOut">
               <a:rPr lang="en-US" smtClean="0"/>
-              <a:t>2/10/2020</a:t>
+              <a:t>9/13/2020</a:t>
             </a:fld>
             <a:endParaRPr lang="en-US"/>
           </a:p>
@@ -2544,7 +2544,7 @@
           <a:p>
             <a:fld id="{652BE7AB-D5F9-450E-9CCB-F58AD65D0B70}" type="datetimeFigureOut">
               <a:rPr lang="en-US" smtClean="0"/>
-              <a:t>2/10/2020</a:t>
+              <a:t>9/13/2020</a:t>
             </a:fld>
             <a:endParaRPr lang="en-US"/>
           </a:p>
@@ -2990,7 +2990,7 @@
           <a:p>
             <a:r>
               <a:rPr lang="en-US"/>
-              <a:t>February 10, </a:t>
+              <a:t>September 13, </a:t>
             </a:r>
             <a:r>
               <a:rPr lang="en-US" dirty="0"/>

--- a/Introduction to Python Splash Page.pptx
+++ b/Introduction to Python Splash Page.pptx
@@ -242,7 +242,7 @@
           <a:p>
             <a:fld id="{652BE7AB-D5F9-450E-9CCB-F58AD65D0B70}" type="datetimeFigureOut">
               <a:rPr lang="en-US" smtClean="0"/>
-              <a:t>9/13/2020</a:t>
+              <a:t>10/25/2020</a:t>
             </a:fld>
             <a:endParaRPr lang="en-US"/>
           </a:p>
@@ -410,7 +410,7 @@
           <a:p>
             <a:fld id="{652BE7AB-D5F9-450E-9CCB-F58AD65D0B70}" type="datetimeFigureOut">
               <a:rPr lang="en-US" smtClean="0"/>
-              <a:t>9/13/2020</a:t>
+              <a:t>10/25/2020</a:t>
             </a:fld>
             <a:endParaRPr lang="en-US"/>
           </a:p>
@@ -588,7 +588,7 @@
           <a:p>
             <a:fld id="{652BE7AB-D5F9-450E-9CCB-F58AD65D0B70}" type="datetimeFigureOut">
               <a:rPr lang="en-US" smtClean="0"/>
-              <a:t>9/13/2020</a:t>
+              <a:t>10/25/2020</a:t>
             </a:fld>
             <a:endParaRPr lang="en-US"/>
           </a:p>
@@ -756,7 +756,7 @@
           <a:p>
             <a:fld id="{652BE7AB-D5F9-450E-9CCB-F58AD65D0B70}" type="datetimeFigureOut">
               <a:rPr lang="en-US" smtClean="0"/>
-              <a:t>9/13/2020</a:t>
+              <a:t>10/25/2020</a:t>
             </a:fld>
             <a:endParaRPr lang="en-US"/>
           </a:p>
@@ -1001,7 +1001,7 @@
           <a:p>
             <a:fld id="{652BE7AB-D5F9-450E-9CCB-F58AD65D0B70}" type="datetimeFigureOut">
               <a:rPr lang="en-US" smtClean="0"/>
-              <a:t>9/13/2020</a:t>
+              <a:t>10/25/2020</a:t>
             </a:fld>
             <a:endParaRPr lang="en-US"/>
           </a:p>
@@ -1230,7 +1230,7 @@
           <a:p>
             <a:fld id="{652BE7AB-D5F9-450E-9CCB-F58AD65D0B70}" type="datetimeFigureOut">
               <a:rPr lang="en-US" smtClean="0"/>
-              <a:t>9/13/2020</a:t>
+              <a:t>10/25/2020</a:t>
             </a:fld>
             <a:endParaRPr lang="en-US"/>
           </a:p>
@@ -1594,7 +1594,7 @@
           <a:p>
             <a:fld id="{652BE7AB-D5F9-450E-9CCB-F58AD65D0B70}" type="datetimeFigureOut">
               <a:rPr lang="en-US" smtClean="0"/>
-              <a:t>9/13/2020</a:t>
+              <a:t>10/25/2020</a:t>
             </a:fld>
             <a:endParaRPr lang="en-US"/>
           </a:p>
@@ -1711,7 +1711,7 @@
           <a:p>
             <a:fld id="{652BE7AB-D5F9-450E-9CCB-F58AD65D0B70}" type="datetimeFigureOut">
               <a:rPr lang="en-US" smtClean="0"/>
-              <a:t>9/13/2020</a:t>
+              <a:t>10/25/2020</a:t>
             </a:fld>
             <a:endParaRPr lang="en-US"/>
           </a:p>
@@ -1806,7 +1806,7 @@
           <a:p>
             <a:fld id="{652BE7AB-D5F9-450E-9CCB-F58AD65D0B70}" type="datetimeFigureOut">
               <a:rPr lang="en-US" smtClean="0"/>
-              <a:t>9/13/2020</a:t>
+              <a:t>10/25/2020</a:t>
             </a:fld>
             <a:endParaRPr lang="en-US"/>
           </a:p>
@@ -2081,7 +2081,7 @@
           <a:p>
             <a:fld id="{652BE7AB-D5F9-450E-9CCB-F58AD65D0B70}" type="datetimeFigureOut">
               <a:rPr lang="en-US" smtClean="0"/>
-              <a:t>9/13/2020</a:t>
+              <a:t>10/25/2020</a:t>
             </a:fld>
             <a:endParaRPr lang="en-US"/>
           </a:p>
@@ -2333,7 +2333,7 @@
           <a:p>
             <a:fld id="{652BE7AB-D5F9-450E-9CCB-F58AD65D0B70}" type="datetimeFigureOut">
               <a:rPr lang="en-US" smtClean="0"/>
-              <a:t>9/13/2020</a:t>
+              <a:t>10/25/2020</a:t>
             </a:fld>
             <a:endParaRPr lang="en-US"/>
           </a:p>
@@ -2544,7 +2544,7 @@
           <a:p>
             <a:fld id="{652BE7AB-D5F9-450E-9CCB-F58AD65D0B70}" type="datetimeFigureOut">
               <a:rPr lang="en-US" smtClean="0"/>
-              <a:t>9/13/2020</a:t>
+              <a:t>10/25/2020</a:t>
             </a:fld>
             <a:endParaRPr lang="en-US"/>
           </a:p>
@@ -2990,7 +2990,7 @@
           <a:p>
             <a:r>
               <a:rPr lang="en-US"/>
-              <a:t>September 13, </a:t>
+              <a:t>October 26, </a:t>
             </a:r>
             <a:r>
               <a:rPr lang="en-US" dirty="0"/>
